--- a/IP and Scripts/Teradata Inventory Scripts/Teradata Inventory Scripts/Teradata Inventory Scripts - Overview and Guidance - v1.0.pptx
+++ b/IP and Scripts/Teradata Inventory Scripts/Teradata Inventory Scripts/Teradata Inventory Scripts - Overview and Guidance - v1.0.pptx
@@ -273,7 +273,7 @@
               <a:rPr lang="en-US" smtClean="0">
                 <a:latin typeface="Segoe UI" pitchFamily="34" charset="0"/>
               </a:rPr>
-              <a:t>11/12/2018 4:32 PM</a:t>
+              <a:t>1/18/2020 1:21 PM</a:t>
             </a:fld>
             <a:endParaRPr lang="en-US" dirty="0">
               <a:latin typeface="Segoe UI" pitchFamily="34" charset="0"/>
@@ -567,7 +567,7 @@
           <a:p>
             <a:fld id="{D18B56EA-E28F-4F92-9F16-7A6F2501B303}" type="datetime8">
               <a:rPr lang="en-US" smtClean="0"/>
-              <a:t>11/12/2018 4:32 PM</a:t>
+              <a:t>1/18/2020 1:21 PM</a:t>
             </a:fld>
             <a:endParaRPr lang="en-US" dirty="0"/>
           </a:p>
@@ -896,7 +896,7 @@
           <a:p>
             <a:fld id="{56C2EDE2-D073-4F7E-A469-E134256712C5}" type="datetime8">
               <a:rPr lang="en-US" smtClean="0"/>
-              <a:t>11/12/2018 4:32 PM</a:t>
+              <a:t>1/18/2020 1:21 PM</a:t>
             </a:fld>
             <a:endParaRPr lang="en-US" dirty="0"/>
           </a:p>
@@ -1084,7 +1084,7 @@
           <a:p>
             <a:fld id="{26EED51F-96EB-4E4E-9B3B-EAE92F3CF0A4}" type="datetime8">
               <a:rPr lang="en-US" smtClean="0"/>
-              <a:t>11/12/2018 4:32 PM</a:t>
+              <a:t>1/18/2020 1:22 PM</a:t>
             </a:fld>
             <a:endParaRPr lang="en-US" dirty="0"/>
           </a:p>
@@ -1299,7 +1299,7 @@
           <a:p>
             <a:fld id="{26EED51F-96EB-4E4E-9B3B-EAE92F3CF0A4}" type="datetime8">
               <a:rPr lang="en-US" smtClean="0"/>
-              <a:t>11/12/2018 4:32 PM</a:t>
+              <a:t>1/18/2020 1:22 PM</a:t>
             </a:fld>
             <a:endParaRPr lang="en-US" dirty="0"/>
           </a:p>
@@ -1583,7 +1583,7 @@
           <a:p>
             <a:fld id="{81BCE4E3-A4C5-48E0-8DBE-28AF0B2A7021}" type="datetime1">
               <a:rPr lang="en-US" smtClean="0"/>
-              <a:t>11/12/2018</a:t>
+              <a:t>1/18/2020</a:t>
             </a:fld>
             <a:endParaRPr lang="en-US" dirty="0"/>
           </a:p>
@@ -1717,7 +1717,7 @@
           <a:p>
             <a:fld id="{26EED51F-96EB-4E4E-9B3B-EAE92F3CF0A4}" type="datetime8">
               <a:rPr lang="en-US" smtClean="0"/>
-              <a:t>11/12/2018 4:32 PM</a:t>
+              <a:t>1/18/2020 1:22 PM</a:t>
             </a:fld>
             <a:endParaRPr lang="en-US" dirty="0"/>
           </a:p>
@@ -3422,7 +3422,6 @@
             <a:ln>
               <a:noFill/>
             </a:ln>
-            <a:extLst/>
           </p:spPr>
           <p:txBody>
             <a:bodyPr vert="horz" wrap="square" lIns="91440" tIns="45720" rIns="91440" bIns="45720" numCol="1" anchor="t" anchorCtr="0" compatLnSpc="1">
@@ -9600,7 +9599,7 @@
       </p:transition>
     </mc:Fallback>
   </mc:AlternateContent>
-  <p:extLst mod="1">
+  <p:extLst>
     <p:ext uri="{DCECCB84-F9BA-43D5-87BE-67443E8EF086}">
       <p15:sldGuideLst xmlns:p15="http://schemas.microsoft.com/office/powerpoint/2012/main">
         <p15:guide id="1" pos="3427" userDrawn="1">
@@ -10473,7 +10472,7 @@
       </a:lvl9pPr>
     </p:otherStyle>
   </p:txStyles>
-  <p:extLst mod="1">
+  <p:extLst>
     <p:ext uri="{27BBF7A9-308A-43DC-89C8-2F10F3537804}">
       <p15:sldGuideLst xmlns:p15="http://schemas.microsoft.com/office/powerpoint/2012/main">
         <p15:guide id="1" orient="horz" pos="187">
@@ -10710,6 +10709,61 @@
           <a:p>
             <a:pPr lvl="0"/>
             <a:endParaRPr lang="en-US" sz="1000" dirty="0"/>
+          </a:p>
+        </p:txBody>
+      </p:sp>
+      <p:sp>
+        <p:nvSpPr>
+          <p:cNvPr id="4" name="TextBox 3">
+            <a:extLst>
+              <a:ext uri="{FF2B5EF4-FFF2-40B4-BE49-F238E27FC236}">
+                <a16:creationId xmlns:a16="http://schemas.microsoft.com/office/drawing/2014/main" id="{A0842541-3105-4397-8281-7D06F3E30586}"/>
+              </a:ext>
+            </a:extLst>
+          </p:cNvPr>
+          <p:cNvSpPr txBox="1"/>
+          <p:nvPr/>
+        </p:nvSpPr>
+        <p:spPr>
+          <a:xfrm>
+            <a:off x="8732837" y="6545262"/>
+            <a:ext cx="3886200" cy="489365"/>
+          </a:xfrm>
+          <a:prstGeom prst="rect">
+            <a:avLst/>
+          </a:prstGeom>
+          <a:noFill/>
+        </p:spPr>
+        <p:txBody>
+          <a:bodyPr wrap="square" lIns="182880" tIns="146304" rIns="182880" bIns="146304" rtlCol="0">
+            <a:spAutoFit/>
+          </a:bodyPr>
+          <a:lstStyle/>
+          <a:p>
+            <a:pPr>
+              <a:lnSpc>
+                <a:spcPct val="90000"/>
+              </a:lnSpc>
+              <a:spcAft>
+                <a:spcPts val="600"/>
+              </a:spcAft>
+            </a:pPr>
+            <a:r>
+              <a:rPr lang="en-US" sz="1400" dirty="0">
+                <a:gradFill>
+                  <a:gsLst>
+                    <a:gs pos="2917">
+                      <a:schemeClr val="tx1"/>
+                    </a:gs>
+                    <a:gs pos="30000">
+                      <a:schemeClr val="tx1"/>
+                    </a:gs>
+                  </a:gsLst>
+                  <a:lin ang="5400000" scaled="0"/>
+                </a:gradFill>
+              </a:rPr>
+              <a:t>Data Migration Jumpstart Engineering Team</a:t>
+            </a:r>
           </a:p>
         </p:txBody>
       </p:sp>
@@ -11061,6 +11115,61 @@
           </p:spPr>
         </p:pic>
       </p:grpSp>
+      <p:sp>
+        <p:nvSpPr>
+          <p:cNvPr id="10" name="TextBox 9">
+            <a:extLst>
+              <a:ext uri="{FF2B5EF4-FFF2-40B4-BE49-F238E27FC236}">
+                <a16:creationId xmlns:a16="http://schemas.microsoft.com/office/drawing/2014/main" id="{E7BE2A8F-A822-48AB-8242-BE5D1863A5C3}"/>
+              </a:ext>
+            </a:extLst>
+          </p:cNvPr>
+          <p:cNvSpPr txBox="1"/>
+          <p:nvPr/>
+        </p:nvSpPr>
+        <p:spPr>
+          <a:xfrm>
+            <a:off x="8732837" y="6545262"/>
+            <a:ext cx="3886200" cy="489365"/>
+          </a:xfrm>
+          <a:prstGeom prst="rect">
+            <a:avLst/>
+          </a:prstGeom>
+          <a:noFill/>
+        </p:spPr>
+        <p:txBody>
+          <a:bodyPr wrap="square" lIns="182880" tIns="146304" rIns="182880" bIns="146304" rtlCol="0">
+            <a:spAutoFit/>
+          </a:bodyPr>
+          <a:lstStyle/>
+          <a:p>
+            <a:pPr>
+              <a:lnSpc>
+                <a:spcPct val="90000"/>
+              </a:lnSpc>
+              <a:spcAft>
+                <a:spcPts val="600"/>
+              </a:spcAft>
+            </a:pPr>
+            <a:r>
+              <a:rPr lang="en-US" sz="1400" dirty="0">
+                <a:gradFill>
+                  <a:gsLst>
+                    <a:gs pos="2917">
+                      <a:schemeClr val="tx1"/>
+                    </a:gs>
+                    <a:gs pos="30000">
+                      <a:schemeClr val="tx1"/>
+                    </a:gs>
+                  </a:gsLst>
+                  <a:lin ang="5400000" scaled="0"/>
+                </a:gradFill>
+              </a:rPr>
+              <a:t>Data Migration Jumpstart Engineering Team</a:t>
+            </a:r>
+          </a:p>
+        </p:txBody>
+      </p:sp>
     </p:spTree>
     <p:extLst>
       <p:ext uri="{BB962C8B-B14F-4D97-AF65-F5344CB8AC3E}">
@@ -11563,6 +11672,61 @@
           </a:p>
         </p:txBody>
       </p:sp>
+      <p:sp>
+        <p:nvSpPr>
+          <p:cNvPr id="6" name="TextBox 5">
+            <a:extLst>
+              <a:ext uri="{FF2B5EF4-FFF2-40B4-BE49-F238E27FC236}">
+                <a16:creationId xmlns:a16="http://schemas.microsoft.com/office/drawing/2014/main" id="{32E33D8C-FC34-4435-8AA7-E8AAA15151A2}"/>
+              </a:ext>
+            </a:extLst>
+          </p:cNvPr>
+          <p:cNvSpPr txBox="1"/>
+          <p:nvPr/>
+        </p:nvSpPr>
+        <p:spPr>
+          <a:xfrm>
+            <a:off x="8732837" y="6545262"/>
+            <a:ext cx="3886200" cy="489365"/>
+          </a:xfrm>
+          <a:prstGeom prst="rect">
+            <a:avLst/>
+          </a:prstGeom>
+          <a:noFill/>
+        </p:spPr>
+        <p:txBody>
+          <a:bodyPr wrap="square" lIns="182880" tIns="146304" rIns="182880" bIns="146304" rtlCol="0">
+            <a:spAutoFit/>
+          </a:bodyPr>
+          <a:lstStyle/>
+          <a:p>
+            <a:pPr>
+              <a:lnSpc>
+                <a:spcPct val="90000"/>
+              </a:lnSpc>
+              <a:spcAft>
+                <a:spcPts val="600"/>
+              </a:spcAft>
+            </a:pPr>
+            <a:r>
+              <a:rPr lang="en-US" sz="1400" dirty="0">
+                <a:gradFill>
+                  <a:gsLst>
+                    <a:gs pos="2917">
+                      <a:schemeClr val="tx1"/>
+                    </a:gs>
+                    <a:gs pos="30000">
+                      <a:schemeClr val="tx1"/>
+                    </a:gs>
+                  </a:gsLst>
+                  <a:lin ang="5400000" scaled="0"/>
+                </a:gradFill>
+              </a:rPr>
+              <a:t>Data Migration Jumpstart Engineering Team</a:t>
+            </a:r>
+          </a:p>
+        </p:txBody>
+      </p:sp>
     </p:spTree>
     <p:extLst>
       <p:ext uri="{BB962C8B-B14F-4D97-AF65-F5344CB8AC3E}">
@@ -11771,6 +11935,61 @@
           </a:p>
         </p:txBody>
       </p:sp>
+      <p:sp>
+        <p:nvSpPr>
+          <p:cNvPr id="5" name="TextBox 4">
+            <a:extLst>
+              <a:ext uri="{FF2B5EF4-FFF2-40B4-BE49-F238E27FC236}">
+                <a16:creationId xmlns:a16="http://schemas.microsoft.com/office/drawing/2014/main" id="{3EBC5997-9B12-4EBE-ABBE-83FC58EAB1AF}"/>
+              </a:ext>
+            </a:extLst>
+          </p:cNvPr>
+          <p:cNvSpPr txBox="1"/>
+          <p:nvPr/>
+        </p:nvSpPr>
+        <p:spPr>
+          <a:xfrm>
+            <a:off x="8732837" y="6545262"/>
+            <a:ext cx="3886200" cy="489365"/>
+          </a:xfrm>
+          <a:prstGeom prst="rect">
+            <a:avLst/>
+          </a:prstGeom>
+          <a:noFill/>
+        </p:spPr>
+        <p:txBody>
+          <a:bodyPr wrap="square" lIns="182880" tIns="146304" rIns="182880" bIns="146304" rtlCol="0">
+            <a:spAutoFit/>
+          </a:bodyPr>
+          <a:lstStyle/>
+          <a:p>
+            <a:pPr>
+              <a:lnSpc>
+                <a:spcPct val="90000"/>
+              </a:lnSpc>
+              <a:spcAft>
+                <a:spcPts val="600"/>
+              </a:spcAft>
+            </a:pPr>
+            <a:r>
+              <a:rPr lang="en-US" sz="1400" dirty="0">
+                <a:gradFill>
+                  <a:gsLst>
+                    <a:gs pos="2917">
+                      <a:schemeClr val="tx1"/>
+                    </a:gs>
+                    <a:gs pos="30000">
+                      <a:schemeClr val="tx1"/>
+                    </a:gs>
+                  </a:gsLst>
+                  <a:lin ang="5400000" scaled="0"/>
+                </a:gradFill>
+              </a:rPr>
+              <a:t>Data Migration Jumpstart Engineering Team</a:t>
+            </a:r>
+          </a:p>
+        </p:txBody>
+      </p:sp>
     </p:spTree>
     <p:extLst>
       <p:ext uri="{BB962C8B-B14F-4D97-AF65-F5344CB8AC3E}">
@@ -11874,6 +12093,61 @@
           </a:prstGeom>
         </p:spPr>
       </p:pic>
+      <p:sp>
+        <p:nvSpPr>
+          <p:cNvPr id="5" name="TextBox 4">
+            <a:extLst>
+              <a:ext uri="{FF2B5EF4-FFF2-40B4-BE49-F238E27FC236}">
+                <a16:creationId xmlns:a16="http://schemas.microsoft.com/office/drawing/2014/main" id="{E04BBA95-6779-4CC6-9F0B-283E4A224B8E}"/>
+              </a:ext>
+            </a:extLst>
+          </p:cNvPr>
+          <p:cNvSpPr txBox="1"/>
+          <p:nvPr/>
+        </p:nvSpPr>
+        <p:spPr>
+          <a:xfrm>
+            <a:off x="8732837" y="6545262"/>
+            <a:ext cx="3886200" cy="489365"/>
+          </a:xfrm>
+          <a:prstGeom prst="rect">
+            <a:avLst/>
+          </a:prstGeom>
+          <a:noFill/>
+        </p:spPr>
+        <p:txBody>
+          <a:bodyPr wrap="square" lIns="182880" tIns="146304" rIns="182880" bIns="146304" rtlCol="0">
+            <a:spAutoFit/>
+          </a:bodyPr>
+          <a:lstStyle/>
+          <a:p>
+            <a:pPr>
+              <a:lnSpc>
+                <a:spcPct val="90000"/>
+              </a:lnSpc>
+              <a:spcAft>
+                <a:spcPts val="600"/>
+              </a:spcAft>
+            </a:pPr>
+            <a:r>
+              <a:rPr lang="en-US" sz="1400" dirty="0">
+                <a:gradFill>
+                  <a:gsLst>
+                    <a:gs pos="2917">
+                      <a:schemeClr val="tx1"/>
+                    </a:gs>
+                    <a:gs pos="30000">
+                      <a:schemeClr val="tx1"/>
+                    </a:gs>
+                  </a:gsLst>
+                  <a:lin ang="5400000" scaled="0"/>
+                </a:gradFill>
+              </a:rPr>
+              <a:t>Data Migration Jumpstart Engineering Team</a:t>
+            </a:r>
+          </a:p>
+        </p:txBody>
+      </p:sp>
     </p:spTree>
     <p:extLst>
       <p:ext uri="{BB962C8B-B14F-4D97-AF65-F5344CB8AC3E}">
@@ -12000,6 +12274,61 @@
             <a:r>
               <a:rPr lang="en-GB"/>
               <a:t>Bibliography</a:t>
+            </a:r>
+          </a:p>
+        </p:txBody>
+      </p:sp>
+      <p:sp>
+        <p:nvSpPr>
+          <p:cNvPr id="4" name="TextBox 3">
+            <a:extLst>
+              <a:ext uri="{FF2B5EF4-FFF2-40B4-BE49-F238E27FC236}">
+                <a16:creationId xmlns:a16="http://schemas.microsoft.com/office/drawing/2014/main" id="{C9BFAF5E-1228-4487-BF39-E2E337341DE8}"/>
+              </a:ext>
+            </a:extLst>
+          </p:cNvPr>
+          <p:cNvSpPr txBox="1"/>
+          <p:nvPr/>
+        </p:nvSpPr>
+        <p:spPr>
+          <a:xfrm>
+            <a:off x="8732837" y="6545262"/>
+            <a:ext cx="3886200" cy="489365"/>
+          </a:xfrm>
+          <a:prstGeom prst="rect">
+            <a:avLst/>
+          </a:prstGeom>
+          <a:noFill/>
+        </p:spPr>
+        <p:txBody>
+          <a:bodyPr wrap="square" lIns="182880" tIns="146304" rIns="182880" bIns="146304" rtlCol="0">
+            <a:spAutoFit/>
+          </a:bodyPr>
+          <a:lstStyle/>
+          <a:p>
+            <a:pPr>
+              <a:lnSpc>
+                <a:spcPct val="90000"/>
+              </a:lnSpc>
+              <a:spcAft>
+                <a:spcPts val="600"/>
+              </a:spcAft>
+            </a:pPr>
+            <a:r>
+              <a:rPr lang="en-US" sz="1400" dirty="0">
+                <a:gradFill>
+                  <a:gsLst>
+                    <a:gs pos="2917">
+                      <a:schemeClr val="tx1"/>
+                    </a:gs>
+                    <a:gs pos="30000">
+                      <a:schemeClr val="tx1"/>
+                    </a:gs>
+                  </a:gsLst>
+                  <a:lin ang="5400000" scaled="0"/>
+                </a:gradFill>
+              </a:rPr>
+              <a:t>Data Migration Jumpstart Engineering Team</a:t>
             </a:r>
           </a:p>
         </p:txBody>
@@ -12889,6 +13218,21 @@
 </file>
 
 <file path=customXml/item1.xml><?xml version="1.0" encoding="utf-8"?>
+<?mso-contentType ?>
+<FormTemplates xmlns="http://schemas.microsoft.com/sharepoint/v3/contenttype/forms">
+  <Display>DocumentLibraryForm</Display>
+  <Edit>DocumentLibraryForm</Edit>
+  <New>DocumentLibraryForm</New>
+</FormTemplates>
+</file>
+
+<file path=customXml/item2.xml><?xml version="1.0" encoding="utf-8"?>
+<p:properties xmlns:p="http://schemas.microsoft.com/office/2006/metadata/properties" xmlns:xsi="http://www.w3.org/2001/XMLSchema-instance" xmlns:pc="http://schemas.microsoft.com/office/infopath/2007/PartnerControls">
+  <documentManagement/>
+</p:properties>
+</file>
+
+<file path=customXml/item3.xml><?xml version="1.0" encoding="utf-8"?>
 <ct:contentTypeSchema xmlns:ct="http://schemas.microsoft.com/office/2006/metadata/contentType" xmlns:ma="http://schemas.microsoft.com/office/2006/metadata/properties/metaAttributes" ct:_="" ma:_="" ma:contentTypeName="Document" ma:contentTypeID="0x0101001663038BF9716642BCA9BEDEEEE991E8" ma:contentTypeVersion="10" ma:contentTypeDescription="Create a new document." ma:contentTypeScope="" ma:versionID="8c37f2265097ab2a1a8ca6511293cc18">
   <xsd:schema xmlns:xsd="http://www.w3.org/2001/XMLSchema" xmlns:xs="http://www.w3.org/2001/XMLSchema" xmlns:p="http://schemas.microsoft.com/office/2006/metadata/properties" xmlns:ns2="4053a332-7d8e-488d-aba6-ad6dfa6b0f2d" xmlns:ns3="6e4f6676-91ee-47a5-8164-c59c33586ba7" targetNamespace="http://schemas.microsoft.com/office/2006/metadata/properties" ma:root="true" ma:fieldsID="922c1d919ec7206f465f09fbb4121dee" ns2:_="" ns3:_="">
     <xsd:import namespace="4053a332-7d8e-488d-aba6-ad6dfa6b0f2d"/>
@@ -13093,36 +13437,10 @@
 </ct:contentTypeSchema>
 </file>
 
-<file path=customXml/item2.xml><?xml version="1.0" encoding="utf-8"?>
-<p:properties xmlns:p="http://schemas.microsoft.com/office/2006/metadata/properties" xmlns:xsi="http://www.w3.org/2001/XMLSchema-instance" xmlns:pc="http://schemas.microsoft.com/office/infopath/2007/PartnerControls">
-  <documentManagement/>
-</p:properties>
-</file>
-
-<file path=customXml/item3.xml><?xml version="1.0" encoding="utf-8"?>
-<?mso-contentType ?>
-<FormTemplates xmlns="http://schemas.microsoft.com/sharepoint/v3/contenttype/forms">
-  <Display>DocumentLibraryForm</Display>
-  <Edit>DocumentLibraryForm</Edit>
-  <New>DocumentLibraryForm</New>
-</FormTemplates>
-</file>
-
 <file path=customXml/itemProps1.xml><?xml version="1.0" encoding="utf-8"?>
-<ds:datastoreItem xmlns:ds="http://schemas.openxmlformats.org/officeDocument/2006/customXml" ds:itemID="{C6410A5E-661C-4C21-9FE7-DCDB9C7BE8E3}">
+<ds:datastoreItem xmlns:ds="http://schemas.openxmlformats.org/officeDocument/2006/customXml" ds:itemID="{758FDAC0-319D-4A54-8D8E-1D42CB1F8004}">
   <ds:schemaRefs>
-    <ds:schemaRef ds:uri="http://schemas.microsoft.com/office/2006/metadata/contentType"/>
-    <ds:schemaRef ds:uri="http://schemas.microsoft.com/office/2006/metadata/properties/metaAttributes"/>
-    <ds:schemaRef ds:uri="http://www.w3.org/2001/XMLSchema"/>
-    <ds:schemaRef ds:uri="http://schemas.microsoft.com/office/2006/metadata/properties"/>
-    <ds:schemaRef ds:uri="4053a332-7d8e-488d-aba6-ad6dfa6b0f2d"/>
-    <ds:schemaRef ds:uri="6e4f6676-91ee-47a5-8164-c59c33586ba7"/>
-    <ds:schemaRef ds:uri="http://schemas.microsoft.com/office/2006/documentManagement/types"/>
-    <ds:schemaRef ds:uri="http://schemas.microsoft.com/office/infopath/2007/PartnerControls"/>
-    <ds:schemaRef ds:uri="http://schemas.openxmlformats.org/package/2006/metadata/core-properties"/>
-    <ds:schemaRef ds:uri="http://purl.org/dc/elements/1.1/"/>
-    <ds:schemaRef ds:uri="http://purl.org/dc/terms/"/>
-    <ds:schemaRef ds:uri="http://schemas.microsoft.com/internal/obd"/>
+    <ds:schemaRef ds:uri="http://schemas.microsoft.com/sharepoint/v3/contenttype/forms"/>
   </ds:schemaRefs>
 </ds:datastoreItem>
 </file>
@@ -13145,9 +13463,20 @@
 </file>
 
 <file path=customXml/itemProps3.xml><?xml version="1.0" encoding="utf-8"?>
-<ds:datastoreItem xmlns:ds="http://schemas.openxmlformats.org/officeDocument/2006/customXml" ds:itemID="{758FDAC0-319D-4A54-8D8E-1D42CB1F8004}">
+<ds:datastoreItem xmlns:ds="http://schemas.openxmlformats.org/officeDocument/2006/customXml" ds:itemID="{C6410A5E-661C-4C21-9FE7-DCDB9C7BE8E3}">
   <ds:schemaRefs>
-    <ds:schemaRef ds:uri="http://schemas.microsoft.com/sharepoint/v3/contenttype/forms"/>
+    <ds:schemaRef ds:uri="http://schemas.microsoft.com/office/2006/metadata/contentType"/>
+    <ds:schemaRef ds:uri="http://schemas.microsoft.com/office/2006/metadata/properties/metaAttributes"/>
+    <ds:schemaRef ds:uri="http://www.w3.org/2001/XMLSchema"/>
+    <ds:schemaRef ds:uri="http://schemas.microsoft.com/office/2006/metadata/properties"/>
+    <ds:schemaRef ds:uri="4053a332-7d8e-488d-aba6-ad6dfa6b0f2d"/>
+    <ds:schemaRef ds:uri="6e4f6676-91ee-47a5-8164-c59c33586ba7"/>
+    <ds:schemaRef ds:uri="http://schemas.microsoft.com/office/2006/documentManagement/types"/>
+    <ds:schemaRef ds:uri="http://schemas.microsoft.com/office/infopath/2007/PartnerControls"/>
+    <ds:schemaRef ds:uri="http://schemas.openxmlformats.org/package/2006/metadata/core-properties"/>
+    <ds:schemaRef ds:uri="http://purl.org/dc/elements/1.1/"/>
+    <ds:schemaRef ds:uri="http://purl.org/dc/terms/"/>
+    <ds:schemaRef ds:uri="http://schemas.microsoft.com/internal/obd"/>
   </ds:schemaRefs>
 </ds:datastoreItem>
 </file>
--- a/IP and Scripts/Teradata Inventory Scripts/Teradata Inventory Scripts/Teradata Inventory Scripts - Overview and Guidance - v1.0.pptx
+++ b/IP and Scripts/Teradata Inventory Scripts/Teradata Inventory Scripts/Teradata Inventory Scripts - Overview and Guidance - v1.0.pptx
@@ -273,7 +273,7 @@
               <a:rPr lang="en-US" smtClean="0">
                 <a:latin typeface="Segoe UI" pitchFamily="34" charset="0"/>
               </a:rPr>
-              <a:t>1/18/2020 1:21 PM</a:t>
+              <a:t>10/1/2020 11:27 AM</a:t>
             </a:fld>
             <a:endParaRPr lang="en-US" dirty="0">
               <a:latin typeface="Segoe UI" pitchFamily="34" charset="0"/>
@@ -567,7 +567,7 @@
           <a:p>
             <a:fld id="{D18B56EA-E28F-4F92-9F16-7A6F2501B303}" type="datetime8">
               <a:rPr lang="en-US" smtClean="0"/>
-              <a:t>1/18/2020 1:21 PM</a:t>
+              <a:t>10/1/2020 11:27 AM</a:t>
             </a:fld>
             <a:endParaRPr lang="en-US" dirty="0"/>
           </a:p>
@@ -896,7 +896,7 @@
           <a:p>
             <a:fld id="{56C2EDE2-D073-4F7E-A469-E134256712C5}" type="datetime8">
               <a:rPr lang="en-US" smtClean="0"/>
-              <a:t>1/18/2020 1:21 PM</a:t>
+              <a:t>10/1/2020 11:27 AM</a:t>
             </a:fld>
             <a:endParaRPr lang="en-US" dirty="0"/>
           </a:p>
@@ -1084,7 +1084,7 @@
           <a:p>
             <a:fld id="{26EED51F-96EB-4E4E-9B3B-EAE92F3CF0A4}" type="datetime8">
               <a:rPr lang="en-US" smtClean="0"/>
-              <a:t>1/18/2020 1:22 PM</a:t>
+              <a:t>10/1/2020 11:27 AM</a:t>
             </a:fld>
             <a:endParaRPr lang="en-US" dirty="0"/>
           </a:p>
@@ -1299,7 +1299,7 @@
           <a:p>
             <a:fld id="{26EED51F-96EB-4E4E-9B3B-EAE92F3CF0A4}" type="datetime8">
               <a:rPr lang="en-US" smtClean="0"/>
-              <a:t>1/18/2020 1:22 PM</a:t>
+              <a:t>10/1/2020 11:27 AM</a:t>
             </a:fld>
             <a:endParaRPr lang="en-US" dirty="0"/>
           </a:p>
@@ -1583,7 +1583,7 @@
           <a:p>
             <a:fld id="{81BCE4E3-A4C5-48E0-8DBE-28AF0B2A7021}" type="datetime1">
               <a:rPr lang="en-US" smtClean="0"/>
-              <a:t>1/18/2020</a:t>
+              <a:t>10/1/2020</a:t>
             </a:fld>
             <a:endParaRPr lang="en-US" dirty="0"/>
           </a:p>
@@ -1717,7 +1717,7 @@
           <a:p>
             <a:fld id="{26EED51F-96EB-4E4E-9B3B-EAE92F3CF0A4}" type="datetime8">
               <a:rPr lang="en-US" smtClean="0"/>
-              <a:t>1/18/2020 1:22 PM</a:t>
+              <a:t>10/1/2020 11:27 AM</a:t>
             </a:fld>
             <a:endParaRPr lang="en-US" dirty="0"/>
           </a:p>
@@ -10638,14 +10638,19 @@
             <p:ph type="title"/>
           </p:nvPr>
         </p:nvSpPr>
-        <p:spPr/>
+        <p:spPr>
+          <a:xfrm>
+            <a:off x="274702" y="1287462"/>
+            <a:ext cx="4937760" cy="2667001"/>
+          </a:xfrm>
+        </p:spPr>
         <p:txBody>
           <a:bodyPr/>
           <a:lstStyle/>
           <a:p>
             <a:r>
               <a:rPr lang="en-US" dirty="0"/>
-              <a:t>DMJ Engineering Program Tooling</a:t>
+              <a:t>Data SQL Ninja Engineering Program Tooling</a:t>
             </a:r>
           </a:p>
         </p:txBody>
@@ -10762,7 +10767,7 @@
                   <a:lin ang="5400000" scaled="0"/>
                 </a:gradFill>
               </a:rPr>
-              <a:t>Data Migration Jumpstart Engineering Team</a:t>
+              <a:t>Data SQL Ninja Engineering Team</a:t>
             </a:r>
           </a:p>
         </p:txBody>
@@ -11165,7 +11170,7 @@
                   <a:lin ang="5400000" scaled="0"/>
                 </a:gradFill>
               </a:rPr>
-              <a:t>Data Migration Jumpstart Engineering Team</a:t>
+              <a:t>Data SQL Ninja Engineering Team</a:t>
             </a:r>
           </a:p>
         </p:txBody>
@@ -11722,7 +11727,7 @@
                   <a:lin ang="5400000" scaled="0"/>
                 </a:gradFill>
               </a:rPr>
-              <a:t>Data Migration Jumpstart Engineering Team</a:t>
+              <a:t>Data SQL Ninja Engineering Team</a:t>
             </a:r>
           </a:p>
         </p:txBody>
@@ -11985,7 +11990,7 @@
                   <a:lin ang="5400000" scaled="0"/>
                 </a:gradFill>
               </a:rPr>
-              <a:t>Data Migration Jumpstart Engineering Team</a:t>
+              <a:t>Data SQL Ninja Engineering Team</a:t>
             </a:r>
           </a:p>
         </p:txBody>
@@ -12143,7 +12148,7 @@
                   <a:lin ang="5400000" scaled="0"/>
                 </a:gradFill>
               </a:rPr>
-              <a:t>Data Migration Jumpstart Engineering Team</a:t>
+              <a:t>Data SQL Ninja Engineering Team</a:t>
             </a:r>
           </a:p>
         </p:txBody>
@@ -12328,7 +12333,7 @@
                   <a:lin ang="5400000" scaled="0"/>
                 </a:gradFill>
               </a:rPr>
-              <a:t>Data Migration Jumpstart Engineering Team</a:t>
+              <a:t>Data SQL Ninja Engineering Team</a:t>
             </a:r>
           </a:p>
         </p:txBody>
@@ -13227,12 +13232,6 @@
 </file>
 
 <file path=customXml/item2.xml><?xml version="1.0" encoding="utf-8"?>
-<p:properties xmlns:p="http://schemas.microsoft.com/office/2006/metadata/properties" xmlns:xsi="http://www.w3.org/2001/XMLSchema-instance" xmlns:pc="http://schemas.microsoft.com/office/infopath/2007/PartnerControls">
-  <documentManagement/>
-</p:properties>
-</file>
-
-<file path=customXml/item3.xml><?xml version="1.0" encoding="utf-8"?>
 <ct:contentTypeSchema xmlns:ct="http://schemas.microsoft.com/office/2006/metadata/contentType" xmlns:ma="http://schemas.microsoft.com/office/2006/metadata/properties/metaAttributes" ct:_="" ma:_="" ma:contentTypeName="Document" ma:contentTypeID="0x0101001663038BF9716642BCA9BEDEEEE991E8" ma:contentTypeVersion="10" ma:contentTypeDescription="Create a new document." ma:contentTypeScope="" ma:versionID="8c37f2265097ab2a1a8ca6511293cc18">
   <xsd:schema xmlns:xsd="http://www.w3.org/2001/XMLSchema" xmlns:xs="http://www.w3.org/2001/XMLSchema" xmlns:p="http://schemas.microsoft.com/office/2006/metadata/properties" xmlns:ns2="4053a332-7d8e-488d-aba6-ad6dfa6b0f2d" xmlns:ns3="6e4f6676-91ee-47a5-8164-c59c33586ba7" targetNamespace="http://schemas.microsoft.com/office/2006/metadata/properties" ma:root="true" ma:fieldsID="922c1d919ec7206f465f09fbb4121dee" ns2:_="" ns3:_="">
     <xsd:import namespace="4053a332-7d8e-488d-aba6-ad6dfa6b0f2d"/>
@@ -13437,6 +13436,12 @@
 </ct:contentTypeSchema>
 </file>
 
+<file path=customXml/item3.xml><?xml version="1.0" encoding="utf-8"?>
+<p:properties xmlns:p="http://schemas.microsoft.com/office/2006/metadata/properties" xmlns:xsi="http://www.w3.org/2001/XMLSchema-instance" xmlns:pc="http://schemas.microsoft.com/office/infopath/2007/PartnerControls">
+  <documentManagement/>
+</p:properties>
+</file>
+
 <file path=customXml/itemProps1.xml><?xml version="1.0" encoding="utf-8"?>
 <ds:datastoreItem xmlns:ds="http://schemas.openxmlformats.org/officeDocument/2006/customXml" ds:itemID="{758FDAC0-319D-4A54-8D8E-1D42CB1F8004}">
   <ds:schemaRefs>
@@ -13446,23 +13451,6 @@
 </file>
 
 <file path=customXml/itemProps2.xml><?xml version="1.0" encoding="utf-8"?>
-<ds:datastoreItem xmlns:ds="http://schemas.openxmlformats.org/officeDocument/2006/customXml" ds:itemID="{F990F116-B58F-4255-B05B-DA3808E0E5C6}">
-  <ds:schemaRefs>
-    <ds:schemaRef ds:uri="http://schemas.microsoft.com/office/infopath/2007/PartnerControls"/>
-    <ds:schemaRef ds:uri="http://purl.org/dc/elements/1.1/"/>
-    <ds:schemaRef ds:uri="http://schemas.microsoft.com/office/2006/metadata/properties"/>
-    <ds:schemaRef ds:uri="http://schemas.microsoft.com/office/2006/documentManagement/types"/>
-    <ds:schemaRef ds:uri="6e4f6676-91ee-47a5-8164-c59c33586ba7"/>
-    <ds:schemaRef ds:uri="http://purl.org/dc/terms/"/>
-    <ds:schemaRef ds:uri="4053a332-7d8e-488d-aba6-ad6dfa6b0f2d"/>
-    <ds:schemaRef ds:uri="http://purl.org/dc/dcmitype/"/>
-    <ds:schemaRef ds:uri="http://schemas.openxmlformats.org/package/2006/metadata/core-properties"/>
-    <ds:schemaRef ds:uri="http://www.w3.org/XML/1998/namespace"/>
-  </ds:schemaRefs>
-</ds:datastoreItem>
-</file>
-
-<file path=customXml/itemProps3.xml><?xml version="1.0" encoding="utf-8"?>
 <ds:datastoreItem xmlns:ds="http://schemas.openxmlformats.org/officeDocument/2006/customXml" ds:itemID="{C6410A5E-661C-4C21-9FE7-DCDB9C7BE8E3}">
   <ds:schemaRefs>
     <ds:schemaRef ds:uri="http://schemas.microsoft.com/office/2006/metadata/contentType"/>
@@ -13479,4 +13467,21 @@
     <ds:schemaRef ds:uri="http://schemas.microsoft.com/internal/obd"/>
   </ds:schemaRefs>
 </ds:datastoreItem>
+</file>
+
+<file path=customXml/itemProps3.xml><?xml version="1.0" encoding="utf-8"?>
+<ds:datastoreItem xmlns:ds="http://schemas.openxmlformats.org/officeDocument/2006/customXml" ds:itemID="{F990F116-B58F-4255-B05B-DA3808E0E5C6}">
+  <ds:schemaRefs>
+    <ds:schemaRef ds:uri="http://schemas.microsoft.com/office/infopath/2007/PartnerControls"/>
+    <ds:schemaRef ds:uri="http://purl.org/dc/elements/1.1/"/>
+    <ds:schemaRef ds:uri="http://schemas.microsoft.com/office/2006/metadata/properties"/>
+    <ds:schemaRef ds:uri="http://schemas.microsoft.com/office/2006/documentManagement/types"/>
+    <ds:schemaRef ds:uri="6e4f6676-91ee-47a5-8164-c59c33586ba7"/>
+    <ds:schemaRef ds:uri="http://purl.org/dc/terms/"/>
+    <ds:schemaRef ds:uri="4053a332-7d8e-488d-aba6-ad6dfa6b0f2d"/>
+    <ds:schemaRef ds:uri="http://purl.org/dc/dcmitype/"/>
+    <ds:schemaRef ds:uri="http://schemas.openxmlformats.org/package/2006/metadata/core-properties"/>
+    <ds:schemaRef ds:uri="http://www.w3.org/XML/1998/namespace"/>
+  </ds:schemaRefs>
+</ds:datastoreItem>
 </file>